--- a/testing-walkthrough.pptx
+++ b/testing-walkthrough.pptx
@@ -12,7 +12,7 @@
   </p:handoutMasterIdLst>
   <p:sldIdLst>
     <p:sldId id="256" r:id="rId5"/>
-    <p:sldId id="647" r:id="rId6"/>
+    <p:sldId id="320" r:id="rId6"/>
     <p:sldId id="632" r:id="rId7"/>
     <p:sldId id="642" r:id="rId8"/>
     <p:sldId id="645" r:id="rId9"/>
@@ -268,7 +268,7 @@
           <a:p>
             <a:fld id="{0B842F42-2CE9-4E35-95C1-410DC08A50B1}" type="datetimeFigureOut">
               <a:rPr lang="en-US" smtClean="0"/>
-              <a:t>8/9/21</a:t>
+              <a:t>8/10/2021</a:t>
             </a:fld>
             <a:endParaRPr lang="en-US"/>
           </a:p>
@@ -433,7 +433,7 @@
           <a:p>
             <a:fld id="{6F282904-F315-4730-8D91-37D99E141A6F}" type="datetimeFigureOut">
               <a:rPr lang="en-US" smtClean="0"/>
-              <a:t>8/9/21</a:t>
+              <a:t>8/10/2021</a:t>
             </a:fld>
             <a:endParaRPr lang="en-US"/>
           </a:p>
@@ -7309,17 +7309,13 @@
           </a:p>
           <a:p>
             <a:pPr>
-              <a:lnSpc>
-                <a:spcPct val="100000"/>
-              </a:lnSpc>
               <a:spcBef>
                 <a:spcPts val="2800"/>
               </a:spcBef>
-              <a:buSzPts val="2000"/>
             </a:pPr>
             <a:r>
-              <a:rPr lang="en-US" sz="2000"/>
-              <a:t>Software Productivity Track, ATPESC 2021</a:t>
+              <a:rPr lang="en-US" sz="2000" dirty="0"/>
+              <a:t>Software Productivity and Sustainability track, ATPESC 2021</a:t>
             </a:r>
           </a:p>
         </p:txBody>
@@ -10007,13 +10003,13 @@
             </a:pPr>
             <a:r>
               <a:rPr lang="en-US" sz="1600" b="1" dirty="0"/>
-              <a:t>The requested citation the overall tutorial is: David E. Bernholdt, Anshu Dubey, Patricia A. Grubel, Rinku K. Gupta, and David M. Rogers, Better Scientific Software tutorial, in ISC High Performance, online, 2021. DOI: </a:t>
+              <a:t>The requested citation the overall tutorial is: David E. Bernholdt, Anshu Dubey, Rinku K. Gupta, and David M. Rogers, Software Productivity and Sustainability track, in Argonne Training Program on Extreme-Scale Computing (ATPESC), online, 2021. DOI: </a:t>
             </a:r>
             <a:r>
               <a:rPr lang="en-US" sz="1600" b="1" dirty="0">
                 <a:hlinkClick r:id="rId4"/>
               </a:rPr>
-              <a:t>10.6084/m9.figshare.14642520</a:t>
+              <a:t>10.6084/m9.figshare.15130590</a:t>
             </a:r>
             <a:endParaRPr lang="en-US" sz="1600" b="1" dirty="0"/>
           </a:p>
@@ -10055,12 +10051,8 @@
               </a:spcBef>
             </a:pPr>
             <a:r>
-              <a:rPr lang="en-US" sz="1400"/>
-              <a:t>This </a:t>
-            </a:r>
-            <a:r>
               <a:rPr lang="en-US" sz="1400" dirty="0"/>
-              <a:t>work was supported by the U.S. Department of Energy Office of Science, Office of Advanced Scientific Computing Research (ASCR), and by the </a:t>
+              <a:t>This work was supported by the U.S. Department of Energy Office of Science, Office of Advanced Scientific Computing Research (ASCR), and by the </a:t>
             </a:r>
             <a:r>
               <a:rPr lang="en-US" sz="1400" dirty="0" err="1"/>
@@ -10191,7 +10183,7 @@
     </p:spTree>
     <p:extLst>
       <p:ext uri="{BB962C8B-B14F-4D97-AF65-F5344CB8AC3E}">
-        <p14:creationId xmlns:p14="http://schemas.microsoft.com/office/powerpoint/2010/main" val="2024111045"/>
+        <p14:creationId xmlns:p14="http://schemas.microsoft.com/office/powerpoint/2010/main" val="978726433"/>
       </p:ext>
     </p:extLst>
   </p:cSld>
@@ -16795,6 +16787,21 @@
 </file>
 
 <file path=customXml/item1.xml><?xml version="1.0" encoding="utf-8"?>
+<?mso-contentType ?>
+<FormTemplates xmlns="http://schemas.microsoft.com/sharepoint/v3/contenttype/forms">
+  <Display>DocumentLibraryForm</Display>
+  <Edit>DocumentLibraryForm</Edit>
+  <New>DocumentLibraryForm</New>
+</FormTemplates>
+</file>
+
+<file path=customXml/item2.xml><?xml version="1.0" encoding="utf-8"?>
+<p:properties xmlns:p="http://schemas.microsoft.com/office/2006/metadata/properties" xmlns:xsi="http://www.w3.org/2001/XMLSchema-instance" xmlns:pc="http://schemas.microsoft.com/office/infopath/2007/PartnerControls">
+  <documentManagement/>
+</p:properties>
+</file>
+
+<file path=customXml/item3.xml><?xml version="1.0" encoding="utf-8"?>
 <ct:contentTypeSchema xmlns:ct="http://schemas.microsoft.com/office/2006/metadata/contentType" xmlns:ma="http://schemas.microsoft.com/office/2006/metadata/properties/metaAttributes" ct:_="" ma:_="" ma:contentTypeName="Document" ma:contentTypeID="0x010100565464437F680748A68B85EB6594EA7D" ma:contentTypeVersion="0" ma:contentTypeDescription="Create a new document." ma:contentTypeScope="" ma:versionID="fe3f4dd58d5914c51cfc6deaa8ad845c">
   <xsd:schema xmlns:xsd="http://www.w3.org/2001/XMLSchema" xmlns:p="http://schemas.microsoft.com/office/2006/metadata/properties" targetNamespace="http://schemas.microsoft.com/office/2006/metadata/properties" ma:root="true" ma:fieldsID="4aeb20c0e3442673af7ee10786458764">
     <xsd:element name="properties">
@@ -16843,32 +16850,10 @@
 </ct:contentTypeSchema>
 </file>
 
-<file path=customXml/item2.xml><?xml version="1.0" encoding="utf-8"?>
-<p:properties xmlns:p="http://schemas.microsoft.com/office/2006/metadata/properties" xmlns:xsi="http://www.w3.org/2001/XMLSchema-instance" xmlns:pc="http://schemas.microsoft.com/office/infopath/2007/PartnerControls">
-  <documentManagement/>
-</p:properties>
-</file>
-
-<file path=customXml/item3.xml><?xml version="1.0" encoding="utf-8"?>
-<?mso-contentType ?>
-<FormTemplates xmlns="http://schemas.microsoft.com/sharepoint/v3/contenttype/forms">
-  <Display>DocumentLibraryForm</Display>
-  <Edit>DocumentLibraryForm</Edit>
-  <New>DocumentLibraryForm</New>
-</FormTemplates>
-</file>
-
 <file path=customXml/itemProps1.xml><?xml version="1.0" encoding="utf-8"?>
-<ds:datastoreItem xmlns:ds="http://schemas.openxmlformats.org/officeDocument/2006/customXml" ds:itemID="{E8DB7DEB-074E-4EE8-9B6E-FD277323109C}">
+<ds:datastoreItem xmlns:ds="http://schemas.openxmlformats.org/officeDocument/2006/customXml" ds:itemID="{19E20559-B232-4371-8690-E3D8007EDB82}">
   <ds:schemaRefs>
-    <ds:schemaRef ds:uri="http://schemas.microsoft.com/office/2006/metadata/contentType"/>
-    <ds:schemaRef ds:uri="http://schemas.microsoft.com/office/2006/metadata/properties/metaAttributes"/>
-    <ds:schemaRef ds:uri="http://www.w3.org/2001/XMLSchema"/>
-    <ds:schemaRef ds:uri="http://schemas.microsoft.com/office/2006/metadata/properties"/>
-    <ds:schemaRef ds:uri="http://schemas.openxmlformats.org/package/2006/metadata/core-properties"/>
-    <ds:schemaRef ds:uri="http://purl.org/dc/elements/1.1/"/>
-    <ds:schemaRef ds:uri="http://purl.org/dc/terms/"/>
-    <ds:schemaRef ds:uri="http://schemas.microsoft.com/office/internal/2005/internalDocumentation"/>
+    <ds:schemaRef ds:uri="http://schemas.microsoft.com/sharepoint/v3/contenttype/forms"/>
   </ds:schemaRefs>
 </ds:datastoreItem>
 </file>
@@ -16889,9 +16874,16 @@
 </file>
 
 <file path=customXml/itemProps3.xml><?xml version="1.0" encoding="utf-8"?>
-<ds:datastoreItem xmlns:ds="http://schemas.openxmlformats.org/officeDocument/2006/customXml" ds:itemID="{19E20559-B232-4371-8690-E3D8007EDB82}">
+<ds:datastoreItem xmlns:ds="http://schemas.openxmlformats.org/officeDocument/2006/customXml" ds:itemID="{E8DB7DEB-074E-4EE8-9B6E-FD277323109C}">
   <ds:schemaRefs>
-    <ds:schemaRef ds:uri="http://schemas.microsoft.com/sharepoint/v3/contenttype/forms"/>
+    <ds:schemaRef ds:uri="http://schemas.microsoft.com/office/2006/metadata/contentType"/>
+    <ds:schemaRef ds:uri="http://schemas.microsoft.com/office/2006/metadata/properties/metaAttributes"/>
+    <ds:schemaRef ds:uri="http://www.w3.org/2001/XMLSchema"/>
+    <ds:schemaRef ds:uri="http://schemas.microsoft.com/office/2006/metadata/properties"/>
+    <ds:schemaRef ds:uri="http://schemas.openxmlformats.org/package/2006/metadata/core-properties"/>
+    <ds:schemaRef ds:uri="http://purl.org/dc/elements/1.1/"/>
+    <ds:schemaRef ds:uri="http://purl.org/dc/terms/"/>
+    <ds:schemaRef ds:uri="http://schemas.microsoft.com/office/internal/2005/internalDocumentation"/>
   </ds:schemaRefs>
 </ds:datastoreItem>
 </file>
--- a/testing-walkthrough.pptx
+++ b/testing-walkthrough.pptx
@@ -7352,56 +7352,6 @@
       </p:grpSpPr>
       <p:sp>
         <p:nvSpPr>
-          <p:cNvPr id="11" name="Rectangle 10">
-            <a:extLst>
-              <a:ext uri="{FF2B5EF4-FFF2-40B4-BE49-F238E27FC236}">
-                <a16:creationId xmlns:a16="http://schemas.microsoft.com/office/drawing/2014/main" id="{30F5E125-1DF8-E846-A518-DEFED4D472CE}"/>
-              </a:ext>
-            </a:extLst>
-          </p:cNvPr>
-          <p:cNvSpPr/>
-          <p:nvPr/>
-        </p:nvSpPr>
-        <p:spPr>
-          <a:xfrm>
-            <a:off x="7403690" y="6017342"/>
-            <a:ext cx="2212258" cy="840658"/>
-          </a:xfrm>
-          <a:prstGeom prst="rect">
-            <a:avLst/>
-          </a:prstGeom>
-          <a:solidFill>
-            <a:schemeClr val="bg1"/>
-          </a:solidFill>
-          <a:ln>
-            <a:noFill/>
-          </a:ln>
-          <a:effectLst/>
-        </p:spPr>
-        <p:txBody>
-          <a:bodyPr rot="0" spcFirstLastPara="0" vertOverflow="overflow" horzOverflow="overflow" vert="horz" wrap="square" lIns="121851" tIns="60925" rIns="121851" bIns="60925" numCol="1" spcCol="0" rtlCol="0" fromWordArt="0" anchor="ctr" anchorCtr="0" forceAA="0" compatLnSpc="1">
-            <a:prstTxWarp prst="textNoShape">
-              <a:avLst/>
-            </a:prstTxWarp>
-            <a:noAutofit/>
-          </a:bodyPr>
-          <a:lstStyle/>
-          <a:p>
-            <a:pPr algn="ctr">
-              <a:lnSpc>
-                <a:spcPct val="90000"/>
-              </a:lnSpc>
-            </a:pPr>
-            <a:endParaRPr lang="en-US" sz="2000" dirty="0">
-              <a:solidFill>
-                <a:schemeClr val="bg1"/>
-              </a:solidFill>
-            </a:endParaRPr>
-          </a:p>
-        </p:txBody>
-      </p:sp>
-      <p:sp>
-        <p:nvSpPr>
           <p:cNvPr id="2" name="Title 1">
             <a:extLst>
               <a:ext uri="{FF2B5EF4-FFF2-40B4-BE49-F238E27FC236}">
@@ -10212,56 +10162,6 @@
       </p:grpSpPr>
       <p:sp>
         <p:nvSpPr>
-          <p:cNvPr id="11" name="Rectangle 10">
-            <a:extLst>
-              <a:ext uri="{FF2B5EF4-FFF2-40B4-BE49-F238E27FC236}">
-                <a16:creationId xmlns:a16="http://schemas.microsoft.com/office/drawing/2014/main" id="{30F5E125-1DF8-E846-A518-DEFED4D472CE}"/>
-              </a:ext>
-            </a:extLst>
-          </p:cNvPr>
-          <p:cNvSpPr/>
-          <p:nvPr/>
-        </p:nvSpPr>
-        <p:spPr>
-          <a:xfrm>
-            <a:off x="7403690" y="6017342"/>
-            <a:ext cx="2212258" cy="840658"/>
-          </a:xfrm>
-          <a:prstGeom prst="rect">
-            <a:avLst/>
-          </a:prstGeom>
-          <a:solidFill>
-            <a:schemeClr val="bg1"/>
-          </a:solidFill>
-          <a:ln>
-            <a:noFill/>
-          </a:ln>
-          <a:effectLst/>
-        </p:spPr>
-        <p:txBody>
-          <a:bodyPr rot="0" spcFirstLastPara="0" vertOverflow="overflow" horzOverflow="overflow" vert="horz" wrap="square" lIns="121851" tIns="60925" rIns="121851" bIns="60925" numCol="1" spcCol="0" rtlCol="0" fromWordArt="0" anchor="ctr" anchorCtr="0" forceAA="0" compatLnSpc="1">
-            <a:prstTxWarp prst="textNoShape">
-              <a:avLst/>
-            </a:prstTxWarp>
-            <a:noAutofit/>
-          </a:bodyPr>
-          <a:lstStyle/>
-          <a:p>
-            <a:pPr algn="ctr">
-              <a:lnSpc>
-                <a:spcPct val="90000"/>
-              </a:lnSpc>
-            </a:pPr>
-            <a:endParaRPr lang="en-US" sz="2000" dirty="0">
-              <a:solidFill>
-                <a:schemeClr val="bg1"/>
-              </a:solidFill>
-            </a:endParaRPr>
-          </a:p>
-        </p:txBody>
-      </p:sp>
-      <p:sp>
-        <p:nvSpPr>
           <p:cNvPr id="2" name="Title 1">
             <a:extLst>
               <a:ext uri="{FF2B5EF4-FFF2-40B4-BE49-F238E27FC236}">
@@ -10302,7 +10202,7 @@
         </p:nvSpPr>
         <p:spPr>
           <a:xfrm>
-            <a:off x="571671" y="1591122"/>
+            <a:off x="571671" y="1423700"/>
             <a:ext cx="11617154" cy="2800767"/>
           </a:xfrm>
           <a:prstGeom prst="rect">
@@ -10720,7 +10620,7 @@
         </p:nvSpPr>
         <p:spPr>
           <a:xfrm>
-            <a:off x="450592" y="1084498"/>
+            <a:off x="450592" y="917076"/>
             <a:ext cx="9604561" cy="430887"/>
           </a:xfrm>
           <a:prstGeom prst="rect">
@@ -10790,7 +10690,7 @@
         </p:nvSpPr>
         <p:spPr>
           <a:xfrm>
-            <a:off x="229573" y="4467626"/>
+            <a:off x="229573" y="4300204"/>
             <a:ext cx="11369809" cy="1890135"/>
           </a:xfrm>
         </p:spPr>
@@ -10798,25 +10698,44 @@
           <a:bodyPr/>
           <a:lstStyle/>
           <a:p>
+            <a:pPr>
+              <a:spcBef>
+                <a:spcPts val="800"/>
+              </a:spcBef>
+            </a:pPr>
             <a:r>
               <a:rPr lang="en-US" sz="2800" dirty="0"/>
               <a:t>Lots of setup code – prepares problem for kernel calls</a:t>
             </a:r>
           </a:p>
           <a:p>
+            <a:pPr>
+              <a:spcBef>
+                <a:spcPts val="800"/>
+              </a:spcBef>
+            </a:pPr>
             <a:r>
               <a:rPr lang="en-US" sz="2800" dirty="0"/>
               <a:t>Isolated, swappable kernel calls</a:t>
             </a:r>
           </a:p>
           <a:p>
-            <a:pPr lvl="1"/>
+            <a:pPr lvl="1">
+              <a:spcBef>
+                <a:spcPts val="200"/>
+              </a:spcBef>
+            </a:pPr>
             <a:r>
               <a:rPr lang="en-US" sz="2400" dirty="0"/>
               <a:t>Imagine adding kernels to larger, multi-physics application.</a:t>
             </a:r>
           </a:p>
           <a:p>
+            <a:pPr>
+              <a:spcBef>
+                <a:spcPts val="800"/>
+              </a:spcBef>
+            </a:pPr>
             <a:r>
               <a:rPr lang="en-US" sz="2800" dirty="0"/>
               <a:t>How can we support testing all these kernel configurations?</a:t>
@@ -10899,56 +10818,6 @@
           <a:chExt cx="0" cy="0"/>
         </a:xfrm>
       </p:grpSpPr>
-      <p:sp>
-        <p:nvSpPr>
-          <p:cNvPr id="11" name="Rectangle 10">
-            <a:extLst>
-              <a:ext uri="{FF2B5EF4-FFF2-40B4-BE49-F238E27FC236}">
-                <a16:creationId xmlns:a16="http://schemas.microsoft.com/office/drawing/2014/main" id="{30F5E125-1DF8-E846-A518-DEFED4D472CE}"/>
-              </a:ext>
-            </a:extLst>
-          </p:cNvPr>
-          <p:cNvSpPr/>
-          <p:nvPr/>
-        </p:nvSpPr>
-        <p:spPr>
-          <a:xfrm>
-            <a:off x="7251279" y="5989206"/>
-            <a:ext cx="2212258" cy="840658"/>
-          </a:xfrm>
-          <a:prstGeom prst="rect">
-            <a:avLst/>
-          </a:prstGeom>
-          <a:solidFill>
-            <a:schemeClr val="bg1"/>
-          </a:solidFill>
-          <a:ln>
-            <a:noFill/>
-          </a:ln>
-          <a:effectLst/>
-        </p:spPr>
-        <p:txBody>
-          <a:bodyPr rot="0" spcFirstLastPara="0" vertOverflow="overflow" horzOverflow="overflow" vert="horz" wrap="square" lIns="121851" tIns="60925" rIns="121851" bIns="60925" numCol="1" spcCol="0" rtlCol="0" fromWordArt="0" anchor="ctr" anchorCtr="0" forceAA="0" compatLnSpc="1">
-            <a:prstTxWarp prst="textNoShape">
-              <a:avLst/>
-            </a:prstTxWarp>
-            <a:noAutofit/>
-          </a:bodyPr>
-          <a:lstStyle/>
-          <a:p>
-            <a:pPr algn="ctr">
-              <a:lnSpc>
-                <a:spcPct val="90000"/>
-              </a:lnSpc>
-            </a:pPr>
-            <a:endParaRPr lang="en-US" sz="2000" dirty="0">
-              <a:solidFill>
-                <a:schemeClr val="bg1"/>
-              </a:solidFill>
-            </a:endParaRPr>
-          </a:p>
-        </p:txBody>
-      </p:sp>
       <p:sp>
         <p:nvSpPr>
           <p:cNvPr id="2" name="Title 1">
@@ -11802,7 +11671,7 @@
         </p:nvSpPr>
         <p:spPr>
           <a:xfrm>
-            <a:off x="365761" y="2154506"/>
+            <a:off x="365761" y="1826099"/>
             <a:ext cx="8085900" cy="4292014"/>
           </a:xfrm>
         </p:spPr>
@@ -11930,56 +11799,6 @@
       </p:grpSpPr>
       <p:sp>
         <p:nvSpPr>
-          <p:cNvPr id="11" name="Rectangle 10">
-            <a:extLst>
-              <a:ext uri="{FF2B5EF4-FFF2-40B4-BE49-F238E27FC236}">
-                <a16:creationId xmlns:a16="http://schemas.microsoft.com/office/drawing/2014/main" id="{30F5E125-1DF8-E846-A518-DEFED4D472CE}"/>
-              </a:ext>
-            </a:extLst>
-          </p:cNvPr>
-          <p:cNvSpPr/>
-          <p:nvPr/>
-        </p:nvSpPr>
-        <p:spPr>
-          <a:xfrm>
-            <a:off x="7251279" y="5989206"/>
-            <a:ext cx="2212258" cy="840658"/>
-          </a:xfrm>
-          <a:prstGeom prst="rect">
-            <a:avLst/>
-          </a:prstGeom>
-          <a:solidFill>
-            <a:schemeClr val="bg1"/>
-          </a:solidFill>
-          <a:ln>
-            <a:noFill/>
-          </a:ln>
-          <a:effectLst/>
-        </p:spPr>
-        <p:txBody>
-          <a:bodyPr rot="0" spcFirstLastPara="0" vertOverflow="overflow" horzOverflow="overflow" vert="horz" wrap="square" lIns="121851" tIns="60925" rIns="121851" bIns="60925" numCol="1" spcCol="0" rtlCol="0" fromWordArt="0" anchor="ctr" anchorCtr="0" forceAA="0" compatLnSpc="1">
-            <a:prstTxWarp prst="textNoShape">
-              <a:avLst/>
-            </a:prstTxWarp>
-            <a:noAutofit/>
-          </a:bodyPr>
-          <a:lstStyle/>
-          <a:p>
-            <a:pPr algn="ctr">
-              <a:lnSpc>
-                <a:spcPct val="90000"/>
-              </a:lnSpc>
-            </a:pPr>
-            <a:endParaRPr lang="en-US" sz="2000" dirty="0">
-              <a:solidFill>
-                <a:schemeClr val="bg1"/>
-              </a:solidFill>
-            </a:endParaRPr>
-          </a:p>
-        </p:txBody>
-      </p:sp>
-      <p:sp>
-        <p:nvSpPr>
           <p:cNvPr id="2" name="Title 1">
             <a:extLst>
               <a:ext uri="{FF2B5EF4-FFF2-40B4-BE49-F238E27FC236}">
@@ -12025,7 +11844,7 @@
         </p:nvSpPr>
         <p:spPr>
           <a:xfrm>
-            <a:off x="571671" y="1841242"/>
+            <a:off x="571671" y="1242382"/>
             <a:ext cx="8059652" cy="4708981"/>
           </a:xfrm>
           <a:prstGeom prst="rect">
@@ -13704,56 +13523,6 @@
       </p:grpSpPr>
       <p:sp>
         <p:nvSpPr>
-          <p:cNvPr id="11" name="Rectangle 10">
-            <a:extLst>
-              <a:ext uri="{FF2B5EF4-FFF2-40B4-BE49-F238E27FC236}">
-                <a16:creationId xmlns:a16="http://schemas.microsoft.com/office/drawing/2014/main" id="{30F5E125-1DF8-E846-A518-DEFED4D472CE}"/>
-              </a:ext>
-            </a:extLst>
-          </p:cNvPr>
-          <p:cNvSpPr/>
-          <p:nvPr/>
-        </p:nvSpPr>
-        <p:spPr>
-          <a:xfrm>
-            <a:off x="7403690" y="6017342"/>
-            <a:ext cx="2212258" cy="840658"/>
-          </a:xfrm>
-          <a:prstGeom prst="rect">
-            <a:avLst/>
-          </a:prstGeom>
-          <a:solidFill>
-            <a:schemeClr val="bg1"/>
-          </a:solidFill>
-          <a:ln>
-            <a:noFill/>
-          </a:ln>
-          <a:effectLst/>
-        </p:spPr>
-        <p:txBody>
-          <a:bodyPr rot="0" spcFirstLastPara="0" vertOverflow="overflow" horzOverflow="overflow" vert="horz" wrap="square" lIns="121851" tIns="60925" rIns="121851" bIns="60925" numCol="1" spcCol="0" rtlCol="0" fromWordArt="0" anchor="ctr" anchorCtr="0" forceAA="0" compatLnSpc="1">
-            <a:prstTxWarp prst="textNoShape">
-              <a:avLst/>
-            </a:prstTxWarp>
-            <a:noAutofit/>
-          </a:bodyPr>
-          <a:lstStyle/>
-          <a:p>
-            <a:pPr algn="ctr">
-              <a:lnSpc>
-                <a:spcPct val="90000"/>
-              </a:lnSpc>
-            </a:pPr>
-            <a:endParaRPr lang="en-US" sz="2000" dirty="0">
-              <a:solidFill>
-                <a:schemeClr val="bg1"/>
-              </a:solidFill>
-            </a:endParaRPr>
-          </a:p>
-        </p:txBody>
-      </p:sp>
-      <p:sp>
-        <p:nvSpPr>
           <p:cNvPr id="2" name="Title 1">
             <a:extLst>
               <a:ext uri="{FF2B5EF4-FFF2-40B4-BE49-F238E27FC236}">
@@ -13799,7 +13568,7 @@
         </p:nvSpPr>
         <p:spPr>
           <a:xfrm>
-            <a:off x="571670" y="1841242"/>
+            <a:off x="571670" y="1551473"/>
             <a:ext cx="11718942" cy="3139321"/>
           </a:xfrm>
           <a:prstGeom prst="rect">
@@ -14121,7 +13890,7 @@
         </p:nvSpPr>
         <p:spPr>
           <a:xfrm>
-            <a:off x="1765536" y="5237342"/>
+            <a:off x="1765536" y="4947573"/>
             <a:ext cx="9331209" cy="1107996"/>
           </a:xfrm>
           <a:prstGeom prst="rect">
@@ -14196,7 +13965,7 @@
         </p:nvSpPr>
         <p:spPr>
           <a:xfrm>
-            <a:off x="571670" y="1335452"/>
+            <a:off x="571670" y="1045683"/>
             <a:ext cx="6305327" cy="430887"/>
           </a:xfrm>
           <a:prstGeom prst="rect">
@@ -14263,56 +14032,6 @@
       </p:grpSpPr>
       <p:sp>
         <p:nvSpPr>
-          <p:cNvPr id="11" name="Rectangle 10">
-            <a:extLst>
-              <a:ext uri="{FF2B5EF4-FFF2-40B4-BE49-F238E27FC236}">
-                <a16:creationId xmlns:a16="http://schemas.microsoft.com/office/drawing/2014/main" id="{30F5E125-1DF8-E846-A518-DEFED4D472CE}"/>
-              </a:ext>
-            </a:extLst>
-          </p:cNvPr>
-          <p:cNvSpPr/>
-          <p:nvPr/>
-        </p:nvSpPr>
-        <p:spPr>
-          <a:xfrm>
-            <a:off x="7403690" y="6017342"/>
-            <a:ext cx="2212258" cy="840658"/>
-          </a:xfrm>
-          <a:prstGeom prst="rect">
-            <a:avLst/>
-          </a:prstGeom>
-          <a:solidFill>
-            <a:schemeClr val="bg1"/>
-          </a:solidFill>
-          <a:ln>
-            <a:noFill/>
-          </a:ln>
-          <a:effectLst/>
-        </p:spPr>
-        <p:txBody>
-          <a:bodyPr rot="0" spcFirstLastPara="0" vertOverflow="overflow" horzOverflow="overflow" vert="horz" wrap="square" lIns="121851" tIns="60925" rIns="121851" bIns="60925" numCol="1" spcCol="0" rtlCol="0" fromWordArt="0" anchor="ctr" anchorCtr="0" forceAA="0" compatLnSpc="1">
-            <a:prstTxWarp prst="textNoShape">
-              <a:avLst/>
-            </a:prstTxWarp>
-            <a:noAutofit/>
-          </a:bodyPr>
-          <a:lstStyle/>
-          <a:p>
-            <a:pPr algn="ctr">
-              <a:lnSpc>
-                <a:spcPct val="90000"/>
-              </a:lnSpc>
-            </a:pPr>
-            <a:endParaRPr lang="en-US" sz="2000" dirty="0">
-              <a:solidFill>
-                <a:schemeClr val="bg1"/>
-              </a:solidFill>
-            </a:endParaRPr>
-          </a:p>
-        </p:txBody>
-      </p:sp>
-      <p:sp>
-        <p:nvSpPr>
           <p:cNvPr id="2" name="Title 1">
             <a:extLst>
               <a:ext uri="{FF2B5EF4-FFF2-40B4-BE49-F238E27FC236}">
@@ -14361,7 +14080,7 @@
         </p:nvSpPr>
         <p:spPr>
           <a:xfrm>
-            <a:off x="480435" y="2029593"/>
+            <a:off x="480435" y="1617473"/>
             <a:ext cx="11718942" cy="4493538"/>
           </a:xfrm>
           <a:prstGeom prst="rect">
@@ -14973,7 +14692,7 @@
         </p:nvSpPr>
         <p:spPr>
           <a:xfrm>
-            <a:off x="480435" y="1460806"/>
+            <a:off x="480435" y="1048686"/>
             <a:ext cx="6305327" cy="430887"/>
           </a:xfrm>
           <a:prstGeom prst="rect">
@@ -15142,56 +14861,6 @@
           <a:chExt cx="0" cy="0"/>
         </a:xfrm>
       </p:grpSpPr>
-      <p:sp>
-        <p:nvSpPr>
-          <p:cNvPr id="11" name="Rectangle 10">
-            <a:extLst>
-              <a:ext uri="{FF2B5EF4-FFF2-40B4-BE49-F238E27FC236}">
-                <a16:creationId xmlns:a16="http://schemas.microsoft.com/office/drawing/2014/main" id="{30F5E125-1DF8-E846-A518-DEFED4D472CE}"/>
-              </a:ext>
-            </a:extLst>
-          </p:cNvPr>
-          <p:cNvSpPr/>
-          <p:nvPr/>
-        </p:nvSpPr>
-        <p:spPr>
-          <a:xfrm>
-            <a:off x="7403690" y="6017342"/>
-            <a:ext cx="2212258" cy="840658"/>
-          </a:xfrm>
-          <a:prstGeom prst="rect">
-            <a:avLst/>
-          </a:prstGeom>
-          <a:solidFill>
-            <a:schemeClr val="bg1"/>
-          </a:solidFill>
-          <a:ln>
-            <a:noFill/>
-          </a:ln>
-          <a:effectLst/>
-        </p:spPr>
-        <p:txBody>
-          <a:bodyPr rot="0" spcFirstLastPara="0" vertOverflow="overflow" horzOverflow="overflow" vert="horz" wrap="square" lIns="121851" tIns="60925" rIns="121851" bIns="60925" numCol="1" spcCol="0" rtlCol="0" fromWordArt="0" anchor="ctr" anchorCtr="0" forceAA="0" compatLnSpc="1">
-            <a:prstTxWarp prst="textNoShape">
-              <a:avLst/>
-            </a:prstTxWarp>
-            <a:noAutofit/>
-          </a:bodyPr>
-          <a:lstStyle/>
-          <a:p>
-            <a:pPr algn="ctr">
-              <a:lnSpc>
-                <a:spcPct val="90000"/>
-              </a:lnSpc>
-            </a:pPr>
-            <a:endParaRPr lang="en-US" sz="2000" dirty="0">
-              <a:solidFill>
-                <a:schemeClr val="bg1"/>
-              </a:solidFill>
-            </a:endParaRPr>
-          </a:p>
-        </p:txBody>
-      </p:sp>
       <p:sp>
         <p:nvSpPr>
           <p:cNvPr id="2" name="Title 1">
@@ -16787,18 +16456,18 @@
 </file>
 
 <file path=customXml/item1.xml><?xml version="1.0" encoding="utf-8"?>
+<p:properties xmlns:p="http://schemas.microsoft.com/office/2006/metadata/properties" xmlns:xsi="http://www.w3.org/2001/XMLSchema-instance" xmlns:pc="http://schemas.microsoft.com/office/infopath/2007/PartnerControls">
+  <documentManagement/>
+</p:properties>
+</file>
+
+<file path=customXml/item2.xml><?xml version="1.0" encoding="utf-8"?>
 <?mso-contentType ?>
 <FormTemplates xmlns="http://schemas.microsoft.com/sharepoint/v3/contenttype/forms">
   <Display>DocumentLibraryForm</Display>
   <Edit>DocumentLibraryForm</Edit>
   <New>DocumentLibraryForm</New>
 </FormTemplates>
-</file>
-
-<file path=customXml/item2.xml><?xml version="1.0" encoding="utf-8"?>
-<p:properties xmlns:p="http://schemas.microsoft.com/office/2006/metadata/properties" xmlns:xsi="http://www.w3.org/2001/XMLSchema-instance" xmlns:pc="http://schemas.microsoft.com/office/infopath/2007/PartnerControls">
-  <documentManagement/>
-</p:properties>
 </file>
 
 <file path=customXml/item3.xml><?xml version="1.0" encoding="utf-8"?>
@@ -16851,14 +16520,6 @@
 </file>
 
 <file path=customXml/itemProps1.xml><?xml version="1.0" encoding="utf-8"?>
-<ds:datastoreItem xmlns:ds="http://schemas.openxmlformats.org/officeDocument/2006/customXml" ds:itemID="{19E20559-B232-4371-8690-E3D8007EDB82}">
-  <ds:schemaRefs>
-    <ds:schemaRef ds:uri="http://schemas.microsoft.com/sharepoint/v3/contenttype/forms"/>
-  </ds:schemaRefs>
-</ds:datastoreItem>
-</file>
-
-<file path=customXml/itemProps2.xml><?xml version="1.0" encoding="utf-8"?>
 <ds:datastoreItem xmlns:ds="http://schemas.openxmlformats.org/officeDocument/2006/customXml" ds:itemID="{A50EC660-24D0-43A0-AE5E-E274115E726B}">
   <ds:schemaRefs>
     <ds:schemaRef ds:uri="http://purl.org/dc/elements/1.1/"/>
@@ -16869,6 +16530,14 @@
     <ds:schemaRef ds:uri="http://www.w3.org/XML/1998/namespace"/>
     <ds:schemaRef ds:uri="http://purl.org/dc/dcmitype/"/>
     <ds:schemaRef ds:uri="http://schemas.microsoft.com/office/infopath/2007/PartnerControls"/>
+  </ds:schemaRefs>
+</ds:datastoreItem>
+</file>
+
+<file path=customXml/itemProps2.xml><?xml version="1.0" encoding="utf-8"?>
+<ds:datastoreItem xmlns:ds="http://schemas.openxmlformats.org/officeDocument/2006/customXml" ds:itemID="{19E20559-B232-4371-8690-E3D8007EDB82}">
+  <ds:schemaRefs>
+    <ds:schemaRef ds:uri="http://schemas.microsoft.com/sharepoint/v3/contenttype/forms"/>
   </ds:schemaRefs>
 </ds:datastoreItem>
 </file>

--- a/testing-walkthrough.pptx
+++ b/testing-walkthrough.pptx
@@ -268,7 +268,7 @@
           <a:p>
             <a:fld id="{0B842F42-2CE9-4E35-95C1-410DC08A50B1}" type="datetimeFigureOut">
               <a:rPr lang="en-US" smtClean="0"/>
-              <a:t>8/10/2021</a:t>
+              <a:t>8/11/2021</a:t>
             </a:fld>
             <a:endParaRPr lang="en-US"/>
           </a:p>
@@ -433,7 +433,7 @@
           <a:p>
             <a:fld id="{6F282904-F315-4730-8D91-37D99E141A6F}" type="datetimeFigureOut">
               <a:rPr lang="en-US" smtClean="0"/>
-              <a:t>8/10/2021</a:t>
+              <a:t>8/11/2021</a:t>
             </a:fld>
             <a:endParaRPr lang="en-US"/>
           </a:p>
@@ -7927,59 +7927,16 @@
           <a:lstStyle/>
           <a:p>
             <a:r>
-              <a:rPr lang="en-US" sz="1600" dirty="0" err="1">
+              <a:rPr lang="en-US" sz="1600" dirty="0">
                 <a:solidFill>
                   <a:schemeClr val="tx2"/>
                 </a:solidFill>
                 <a:latin typeface="Menlo" panose="020B0609030804020204" pitchFamily="49" charset="0"/>
                 <a:ea typeface="Menlo" panose="020B0609030804020204" pitchFamily="49" charset="0"/>
                 <a:cs typeface="Menlo" panose="020B0609030804020204" pitchFamily="49" charset="0"/>
-              </a:rPr>
-              <a:t>cmake.org</a:t>
-            </a:r>
-            <a:r>
-              <a:rPr lang="en-US" sz="1600" dirty="0">
-                <a:solidFill>
-                  <a:schemeClr val="tx2"/>
-                </a:solidFill>
-                <a:latin typeface="Menlo" panose="020B0609030804020204" pitchFamily="49" charset="0"/>
-                <a:ea typeface="Menlo" panose="020B0609030804020204" pitchFamily="49" charset="0"/>
-                <a:cs typeface="Menlo" panose="020B0609030804020204" pitchFamily="49" charset="0"/>
-              </a:rPr>
-              <a:t>/</a:t>
-            </a:r>
-            <a:r>
-              <a:rPr lang="en-US" sz="1600" dirty="0" err="1">
-                <a:solidFill>
-                  <a:schemeClr val="tx2"/>
-                </a:solidFill>
-                <a:latin typeface="Menlo" panose="020B0609030804020204" pitchFamily="49" charset="0"/>
-                <a:ea typeface="Menlo" panose="020B0609030804020204" pitchFamily="49" charset="0"/>
-                <a:cs typeface="Menlo" panose="020B0609030804020204" pitchFamily="49" charset="0"/>
-              </a:rPr>
-              <a:t>cmake</a:t>
-            </a:r>
-            <a:r>
-              <a:rPr lang="en-US" sz="1600" dirty="0">
-                <a:solidFill>
-                  <a:schemeClr val="tx2"/>
-                </a:solidFill>
-                <a:latin typeface="Menlo" panose="020B0609030804020204" pitchFamily="49" charset="0"/>
-                <a:ea typeface="Menlo" panose="020B0609030804020204" pitchFamily="49" charset="0"/>
-                <a:cs typeface="Menlo" panose="020B0609030804020204" pitchFamily="49" charset="0"/>
-              </a:rPr>
-              <a:t>/help/latest/command/</a:t>
-            </a:r>
-            <a:r>
-              <a:rPr lang="en-US" sz="1600" dirty="0" err="1">
-                <a:solidFill>
-                  <a:schemeClr val="tx2"/>
-                </a:solidFill>
-                <a:latin typeface="Menlo" panose="020B0609030804020204" pitchFamily="49" charset="0"/>
-                <a:ea typeface="Menlo" panose="020B0609030804020204" pitchFamily="49" charset="0"/>
-                <a:cs typeface="Menlo" panose="020B0609030804020204" pitchFamily="49" charset="0"/>
-              </a:rPr>
-              <a:t>add_test.html</a:t>
+                <a:hlinkClick r:id="rId3"/>
+              </a:rPr>
+              <a:t>https://cmake.org/cmake/help/latest/command/add_test.html</a:t>
             </a:r>
             <a:endParaRPr lang="en-US" sz="1600" dirty="0">
               <a:solidFill>
@@ -14762,6 +14719,7 @@
                 <a:latin typeface="Menlo" panose="020B0609030804020204" pitchFamily="49" charset="0"/>
                 <a:ea typeface="Menlo" panose="020B0609030804020204" pitchFamily="49" charset="0"/>
                 <a:cs typeface="Menlo" panose="020B0609030804020204" pitchFamily="49" charset="0"/>
+                <a:hlinkClick r:id="rId3"/>
               </a:rPr>
               <a:t>https://</a:t>
             </a:r>
@@ -14773,6 +14731,7 @@
                 <a:latin typeface="Menlo" panose="020B0609030804020204" pitchFamily="49" charset="0"/>
                 <a:ea typeface="Menlo" panose="020B0609030804020204" pitchFamily="49" charset="0"/>
                 <a:cs typeface="Menlo" panose="020B0609030804020204" pitchFamily="49" charset="0"/>
+                <a:hlinkClick r:id="rId3"/>
               </a:rPr>
               <a:t>cmake.org</a:t>
             </a:r>
@@ -14784,6 +14743,7 @@
                 <a:latin typeface="Menlo" panose="020B0609030804020204" pitchFamily="49" charset="0"/>
                 <a:ea typeface="Menlo" panose="020B0609030804020204" pitchFamily="49" charset="0"/>
                 <a:cs typeface="Menlo" panose="020B0609030804020204" pitchFamily="49" charset="0"/>
+                <a:hlinkClick r:id="rId3"/>
               </a:rPr>
               <a:t>/</a:t>
             </a:r>
@@ -14795,6 +14755,7 @@
                 <a:latin typeface="Menlo" panose="020B0609030804020204" pitchFamily="49" charset="0"/>
                 <a:ea typeface="Menlo" panose="020B0609030804020204" pitchFamily="49" charset="0"/>
                 <a:cs typeface="Menlo" panose="020B0609030804020204" pitchFamily="49" charset="0"/>
+                <a:hlinkClick r:id="rId3"/>
               </a:rPr>
               <a:t>cmake</a:t>
             </a:r>
@@ -14806,6 +14767,7 @@
                 <a:latin typeface="Menlo" panose="020B0609030804020204" pitchFamily="49" charset="0"/>
                 <a:ea typeface="Menlo" panose="020B0609030804020204" pitchFamily="49" charset="0"/>
                 <a:cs typeface="Menlo" panose="020B0609030804020204" pitchFamily="49" charset="0"/>
+                <a:hlinkClick r:id="rId3"/>
               </a:rPr>
               <a:t>/help/latest/guide/tutorial/</a:t>
             </a:r>
@@ -14817,6 +14779,7 @@
                 <a:latin typeface="Menlo" panose="020B0609030804020204" pitchFamily="49" charset="0"/>
                 <a:ea typeface="Menlo" panose="020B0609030804020204" pitchFamily="49" charset="0"/>
                 <a:cs typeface="Menlo" panose="020B0609030804020204" pitchFamily="49" charset="0"/>
+                <a:hlinkClick r:id="rId3"/>
               </a:rPr>
               <a:t>index.html</a:t>
             </a:r>
@@ -16456,21 +16419,6 @@
 </file>
 
 <file path=customXml/item1.xml><?xml version="1.0" encoding="utf-8"?>
-<p:properties xmlns:p="http://schemas.microsoft.com/office/2006/metadata/properties" xmlns:xsi="http://www.w3.org/2001/XMLSchema-instance" xmlns:pc="http://schemas.microsoft.com/office/infopath/2007/PartnerControls">
-  <documentManagement/>
-</p:properties>
-</file>
-
-<file path=customXml/item2.xml><?xml version="1.0" encoding="utf-8"?>
-<?mso-contentType ?>
-<FormTemplates xmlns="http://schemas.microsoft.com/sharepoint/v3/contenttype/forms">
-  <Display>DocumentLibraryForm</Display>
-  <Edit>DocumentLibraryForm</Edit>
-  <New>DocumentLibraryForm</New>
-</FormTemplates>
-</file>
-
-<file path=customXml/item3.xml><?xml version="1.0" encoding="utf-8"?>
 <ct:contentTypeSchema xmlns:ct="http://schemas.microsoft.com/office/2006/metadata/contentType" xmlns:ma="http://schemas.microsoft.com/office/2006/metadata/properties/metaAttributes" ct:_="" ma:_="" ma:contentTypeName="Document" ma:contentTypeID="0x010100565464437F680748A68B85EB6594EA7D" ma:contentTypeVersion="0" ma:contentTypeDescription="Create a new document." ma:contentTypeScope="" ma:versionID="fe3f4dd58d5914c51cfc6deaa8ad845c">
   <xsd:schema xmlns:xsd="http://www.w3.org/2001/XMLSchema" xmlns:p="http://schemas.microsoft.com/office/2006/metadata/properties" targetNamespace="http://schemas.microsoft.com/office/2006/metadata/properties" ma:root="true" ma:fieldsID="4aeb20c0e3442673af7ee10786458764">
     <xsd:element name="properties">
@@ -16519,17 +16467,32 @@
 </ct:contentTypeSchema>
 </file>
 
+<file path=customXml/item2.xml><?xml version="1.0" encoding="utf-8"?>
+<?mso-contentType ?>
+<FormTemplates xmlns="http://schemas.microsoft.com/sharepoint/v3/contenttype/forms">
+  <Display>DocumentLibraryForm</Display>
+  <Edit>DocumentLibraryForm</Edit>
+  <New>DocumentLibraryForm</New>
+</FormTemplates>
+</file>
+
+<file path=customXml/item3.xml><?xml version="1.0" encoding="utf-8"?>
+<p:properties xmlns:p="http://schemas.microsoft.com/office/2006/metadata/properties" xmlns:xsi="http://www.w3.org/2001/XMLSchema-instance" xmlns:pc="http://schemas.microsoft.com/office/infopath/2007/PartnerControls">
+  <documentManagement/>
+</p:properties>
+</file>
+
 <file path=customXml/itemProps1.xml><?xml version="1.0" encoding="utf-8"?>
-<ds:datastoreItem xmlns:ds="http://schemas.openxmlformats.org/officeDocument/2006/customXml" ds:itemID="{A50EC660-24D0-43A0-AE5E-E274115E726B}">
+<ds:datastoreItem xmlns:ds="http://schemas.openxmlformats.org/officeDocument/2006/customXml" ds:itemID="{E8DB7DEB-074E-4EE8-9B6E-FD277323109C}">
   <ds:schemaRefs>
+    <ds:schemaRef ds:uri="http://schemas.microsoft.com/office/2006/metadata/contentType"/>
+    <ds:schemaRef ds:uri="http://schemas.microsoft.com/office/2006/metadata/properties/metaAttributes"/>
+    <ds:schemaRef ds:uri="http://www.w3.org/2001/XMLSchema"/>
+    <ds:schemaRef ds:uri="http://schemas.microsoft.com/office/2006/metadata/properties"/>
+    <ds:schemaRef ds:uri="http://schemas.openxmlformats.org/package/2006/metadata/core-properties"/>
     <ds:schemaRef ds:uri="http://purl.org/dc/elements/1.1/"/>
-    <ds:schemaRef ds:uri="http://schemas.microsoft.com/office/2006/metadata/properties"/>
     <ds:schemaRef ds:uri="http://purl.org/dc/terms/"/>
-    <ds:schemaRef ds:uri="http://schemas.openxmlformats.org/package/2006/metadata/core-properties"/>
-    <ds:schemaRef ds:uri="http://schemas.microsoft.com/office/2006/documentManagement/types"/>
-    <ds:schemaRef ds:uri="http://www.w3.org/XML/1998/namespace"/>
-    <ds:schemaRef ds:uri="http://purl.org/dc/dcmitype/"/>
-    <ds:schemaRef ds:uri="http://schemas.microsoft.com/office/infopath/2007/PartnerControls"/>
+    <ds:schemaRef ds:uri="http://schemas.microsoft.com/office/internal/2005/internalDocumentation"/>
   </ds:schemaRefs>
 </ds:datastoreItem>
 </file>
@@ -16543,16 +16506,16 @@
 </file>
 
 <file path=customXml/itemProps3.xml><?xml version="1.0" encoding="utf-8"?>
-<ds:datastoreItem xmlns:ds="http://schemas.openxmlformats.org/officeDocument/2006/customXml" ds:itemID="{E8DB7DEB-074E-4EE8-9B6E-FD277323109C}">
+<ds:datastoreItem xmlns:ds="http://schemas.openxmlformats.org/officeDocument/2006/customXml" ds:itemID="{A50EC660-24D0-43A0-AE5E-E274115E726B}">
   <ds:schemaRefs>
-    <ds:schemaRef ds:uri="http://schemas.microsoft.com/office/2006/metadata/contentType"/>
-    <ds:schemaRef ds:uri="http://schemas.microsoft.com/office/2006/metadata/properties/metaAttributes"/>
-    <ds:schemaRef ds:uri="http://www.w3.org/2001/XMLSchema"/>
+    <ds:schemaRef ds:uri="http://purl.org/dc/elements/1.1/"/>
     <ds:schemaRef ds:uri="http://schemas.microsoft.com/office/2006/metadata/properties"/>
+    <ds:schemaRef ds:uri="http://purl.org/dc/terms/"/>
     <ds:schemaRef ds:uri="http://schemas.openxmlformats.org/package/2006/metadata/core-properties"/>
-    <ds:schemaRef ds:uri="http://purl.org/dc/elements/1.1/"/>
-    <ds:schemaRef ds:uri="http://purl.org/dc/terms/"/>
-    <ds:schemaRef ds:uri="http://schemas.microsoft.com/office/internal/2005/internalDocumentation"/>
+    <ds:schemaRef ds:uri="http://schemas.microsoft.com/office/2006/documentManagement/types"/>
+    <ds:schemaRef ds:uri="http://www.w3.org/XML/1998/namespace"/>
+    <ds:schemaRef ds:uri="http://purl.org/dc/dcmitype/"/>
+    <ds:schemaRef ds:uri="http://schemas.microsoft.com/office/infopath/2007/PartnerControls"/>
   </ds:schemaRefs>
 </ds:datastoreItem>
 </file>